--- a/kpi/Automation Testing_20200303_1.pptx
+++ b/kpi/Automation Testing_20200303_1.pptx
@@ -168,7 +168,7 @@
   </p:defaultTextStyle>
   <p:extLst>
     <p:ext uri="{EFAFB233-063F-42B5-8137-9DF3F51BA10A}">
-      <p15:sldGuideLst xmlns="" xmlns:p15="http://schemas.microsoft.com/office/powerpoint/2012/main">
+      <p15:sldGuideLst xmlns:p15="http://schemas.microsoft.com/office/powerpoint/2012/main">
         <p15:guide id="1" orient="horz" pos="1620">
           <p15:clr>
             <a:srgbClr val="A4A3A4"/>
@@ -182,7 +182,7 @@
       </p15:sldGuideLst>
     </p:ext>
     <p:ext uri="{2D200454-40CA-4A62-9FC3-DE9A4176ACB9}">
-      <p15:notesGuideLst xmlns="" xmlns:p15="http://schemas.microsoft.com/office/powerpoint/2012/main">
+      <p15:notesGuideLst xmlns:p15="http://schemas.microsoft.com/office/powerpoint/2012/main">
         <p15:guide id="1" orient="horz" pos="3223">
           <p15:clr>
             <a:srgbClr val="A4A3A4"/>
@@ -8374,7 +8374,7 @@
           <a:graphicData uri="http://schemas.openxmlformats.org/presentationml/2006/ole">
             <mc:AlternateContent xmlns:mc="http://schemas.openxmlformats.org/markup-compatibility/2006">
               <mc:Choice xmlns:v="urn:schemas-microsoft-com:vml" Requires="v">
-                <p:oleObj spid="_x0000_s5376" name="封裝程式殼層物件" showAsIcon="1" r:id="rId4" imgW="744480" imgH="394920" progId="Package">
+                <p:oleObj spid="_x0000_s5382" name="封裝程式殼層物件" showAsIcon="1" r:id="rId4" imgW="744480" imgH="394920" progId="Package">
                   <p:embed/>
                 </p:oleObj>
               </mc:Choice>
@@ -9026,17 +9026,7 @@
                 <a:latin typeface="Times New Roman" panose="02020603050405020304" pitchFamily="18" charset="0"/>
                 <a:cs typeface="Times New Roman" panose="02020603050405020304" pitchFamily="18" charset="0"/>
               </a:rPr>
-              <a:t>Automation(</a:t>
-            </a:r>
-            <a:r>
-              <a:rPr lang="en-US" altLang="zh-TW" sz="2800" kern="0" dirty="0" err="1" smtClean="0">
-                <a:solidFill>
-                  <a:srgbClr val="003366"/>
-                </a:solidFill>
-                <a:latin typeface="Times New Roman" panose="02020603050405020304" pitchFamily="18" charset="0"/>
-                <a:cs typeface="Times New Roman" panose="02020603050405020304" pitchFamily="18" charset="0"/>
-              </a:rPr>
-              <a:t>Androd</a:t>
+              <a:t>Automation(Android</a:t>
             </a:r>
             <a:r>
               <a:rPr lang="en-US" altLang="zh-TW" sz="2800" kern="0" dirty="0" smtClean="0">
@@ -9335,17 +9325,7 @@
                 <a:latin typeface="Times New Roman" panose="02020603050405020304" pitchFamily="18" charset="0"/>
                 <a:cs typeface="Times New Roman" panose="02020603050405020304" pitchFamily="18" charset="0"/>
               </a:rPr>
-              <a:t>Automation(</a:t>
-            </a:r>
-            <a:r>
-              <a:rPr lang="en-US" altLang="zh-TW" sz="2800" kern="0" dirty="0" err="1" smtClean="0">
-                <a:solidFill>
-                  <a:srgbClr val="003366"/>
-                </a:solidFill>
-                <a:latin typeface="Times New Roman" panose="02020603050405020304" pitchFamily="18" charset="0"/>
-                <a:cs typeface="Times New Roman" panose="02020603050405020304" pitchFamily="18" charset="0"/>
-              </a:rPr>
-              <a:t>Androd</a:t>
+              <a:t>Automation(Android</a:t>
             </a:r>
             <a:r>
               <a:rPr lang="en-US" altLang="zh-TW" sz="2800" kern="0" dirty="0">
@@ -11254,32 +11234,11 @@
               <a:defRPr/>
             </a:pPr>
             <a:r>
-              <a:rPr lang="en-US" altLang="zh-TW" sz="1800" dirty="0">
-                <a:latin typeface="Times New Roman" panose="02020603050405020304" pitchFamily="18" charset="0"/>
-                <a:cs typeface="Times New Roman" panose="02020603050405020304" pitchFamily="18" charset="0"/>
-              </a:rPr>
-              <a:t>Auto catch the resolution by batch code</a:t>
-            </a:r>
-          </a:p>
-          <a:p>
-            <a:pPr lvl="1" eaLnBrk="1" hangingPunct="1">
-              <a:buFont typeface="Wingdings" panose="05000000000000000000" pitchFamily="2" charset="2"/>
-              <a:buChar char="Ø"/>
-              <a:defRPr/>
-            </a:pPr>
-            <a:r>
-              <a:rPr lang="en-US" altLang="zh-TW" sz="1800" dirty="0">
-                <a:latin typeface="Times New Roman" panose="02020603050405020304" pitchFamily="18" charset="0"/>
-                <a:cs typeface="Times New Roman" panose="02020603050405020304" pitchFamily="18" charset="0"/>
-              </a:rPr>
-              <a:t>Auto catch the resolution by batch code</a:t>
-            </a:r>
-            <a:r>
               <a:rPr lang="en-US" altLang="zh-TW" sz="1800" dirty="0" smtClean="0">
                 <a:latin typeface="Times New Roman" panose="02020603050405020304" pitchFamily="18" charset="0"/>
                 <a:cs typeface="Times New Roman" panose="02020603050405020304" pitchFamily="18" charset="0"/>
               </a:rPr>
-              <a:t>.</a:t>
+              <a:t>Auto catch the resolution by batch code.</a:t>
             </a:r>
           </a:p>
           <a:p>
@@ -11292,14 +11251,7 @@
                 <a:latin typeface="Times New Roman" panose="02020603050405020304" pitchFamily="18" charset="0"/>
                 <a:cs typeface="Times New Roman" panose="02020603050405020304" pitchFamily="18" charset="0"/>
               </a:rPr>
-              <a:t>     (</a:t>
-            </a:r>
-            <a:r>
-              <a:rPr lang="en-US" altLang="zh-TW" sz="1800" dirty="0">
-                <a:latin typeface="Times New Roman" panose="02020603050405020304" pitchFamily="18" charset="0"/>
-                <a:cs typeface="Times New Roman" panose="02020603050405020304" pitchFamily="18" charset="0"/>
-              </a:rPr>
-              <a:t>Reboot)</a:t>
+              <a:t>     (Reboot)</a:t>
             </a:r>
           </a:p>
           <a:p>
@@ -11864,7 +11816,14 @@
                 <a:latin typeface="Times New Roman" panose="02020603050405020304" pitchFamily="18" charset="0"/>
                 <a:cs typeface="Times New Roman" panose="02020603050405020304" pitchFamily="18" charset="0"/>
               </a:rPr>
-              <a:t>of pre-conditions </a:t>
+              <a:t>of </a:t>
+            </a:r>
+            <a:r>
+              <a:rPr lang="en-US" altLang="zh-TW" sz="2000" dirty="0" smtClean="0">
+                <a:latin typeface="Times New Roman" panose="02020603050405020304" pitchFamily="18" charset="0"/>
+                <a:cs typeface="Times New Roman" panose="02020603050405020304" pitchFamily="18" charset="0"/>
+              </a:rPr>
+              <a:t>pre-condition </a:t>
             </a:r>
             <a:r>
               <a:rPr lang="en-US" altLang="zh-TW" sz="2000" dirty="0" smtClean="0">
@@ -14797,11 +14756,11 @@
               <a:defRPr/>
             </a:pPr>
             <a:r>
-              <a:rPr lang="en-US" altLang="zh-TW" sz="1800" dirty="0">
-                <a:latin typeface="Times New Roman" panose="02020603050405020304" pitchFamily="18" charset="0"/>
-                <a:cs typeface="Times New Roman" panose="02020603050405020304" pitchFamily="18" charset="0"/>
-              </a:rPr>
-              <a:t>Roaming Times: 10 Times</a:t>
+              <a:rPr lang="en-US" altLang="zh-TW" sz="1800" dirty="0" smtClean="0">
+                <a:latin typeface="Times New Roman" panose="02020603050405020304" pitchFamily="18" charset="0"/>
+                <a:cs typeface="Times New Roman" panose="02020603050405020304" pitchFamily="18" charset="0"/>
+              </a:rPr>
+              <a:t>Roaming Times</a:t>
             </a:r>
           </a:p>
           <a:p>
@@ -14811,11 +14770,18 @@
               <a:defRPr/>
             </a:pPr>
             <a:r>
+              <a:rPr lang="en-US" altLang="zh-TW" sz="1800" dirty="0" smtClean="0">
+                <a:latin typeface="Times New Roman" panose="02020603050405020304" pitchFamily="18" charset="0"/>
+                <a:cs typeface="Times New Roman" panose="02020603050405020304" pitchFamily="18" charset="0"/>
+              </a:rPr>
+              <a:t>Digital </a:t>
+            </a:r>
+            <a:r>
               <a:rPr lang="en-US" altLang="zh-TW" sz="1800" dirty="0">
                 <a:latin typeface="Times New Roman" panose="02020603050405020304" pitchFamily="18" charset="0"/>
                 <a:cs typeface="Times New Roman" panose="02020603050405020304" pitchFamily="18" charset="0"/>
               </a:rPr>
-              <a:t>Digital Attenuator</a:t>
+              <a:t>Attenuator</a:t>
             </a:r>
           </a:p>
         </p:txBody>

--- a/kpi/Automation Testing_20200303_1.pptx
+++ b/kpi/Automation Testing_20200303_1.pptx
@@ -168,7 +168,7 @@
   </p:defaultTextStyle>
   <p:extLst>
     <p:ext uri="{EFAFB233-063F-42B5-8137-9DF3F51BA10A}">
-      <p15:sldGuideLst xmlns:p15="http://schemas.microsoft.com/office/powerpoint/2012/main">
+      <p15:sldGuideLst xmlns:p15="http://schemas.microsoft.com/office/powerpoint/2012/main" xmlns="">
         <p15:guide id="1" orient="horz" pos="1620">
           <p15:clr>
             <a:srgbClr val="A4A3A4"/>
@@ -182,7 +182,7 @@
       </p15:sldGuideLst>
     </p:ext>
     <p:ext uri="{2D200454-40CA-4A62-9FC3-DE9A4176ACB9}">
-      <p15:notesGuideLst xmlns:p15="http://schemas.microsoft.com/office/powerpoint/2012/main">
+      <p15:notesGuideLst xmlns:p15="http://schemas.microsoft.com/office/powerpoint/2012/main" xmlns="">
         <p15:guide id="1" orient="horz" pos="3223">
           <p15:clr>
             <a:srgbClr val="A4A3A4"/>
@@ -1135,6 +1135,33 @@
           <a:lstStyle/>
           <a:p>
             <a:pPr eaLnBrk="1" hangingPunct="1"/>
+            <a:r>
+              <a:rPr lang="zh-TW" altLang="en-US" dirty="0" smtClean="0">
+                <a:latin typeface="Arial" panose="020B0604020202020204" pitchFamily="34" charset="0"/>
+              </a:rPr>
+              <a:t>我目前開發的測試工具大部分都是解決人工沒有辦法執行這件事情，也就是長時間的測試，而且我們有些問題不見得看的到，所以我為了避免這件事情，就開發了這些程式。</a:t>
+            </a:r>
+          </a:p>
+          <a:p>
+            <a:pPr eaLnBrk="1" hangingPunct="1"/>
+            <a:r>
+              <a:rPr lang="zh-TW" altLang="en-US" dirty="0" smtClean="0">
+                <a:latin typeface="Arial" panose="020B0604020202020204" pitchFamily="34" charset="0"/>
+              </a:rPr>
+              <a:t>避免客人的問題再次出現</a:t>
+            </a:r>
+          </a:p>
+          <a:p>
+            <a:pPr eaLnBrk="1" hangingPunct="1"/>
+            <a:r>
+              <a:rPr lang="zh-TW" altLang="en-US" dirty="0" smtClean="0">
+                <a:latin typeface="Arial" panose="020B0604020202020204" pitchFamily="34" charset="0"/>
+              </a:rPr>
+              <a:t>可以解決人工沒辦法長時間反覆測試增加涵蓋率</a:t>
+            </a:r>
+          </a:p>
+          <a:p>
+            <a:pPr eaLnBrk="1" hangingPunct="1"/>
             <a:endParaRPr lang="zh-TW" altLang="zh-TW" dirty="0" smtClean="0">
               <a:latin typeface="Arial" panose="020B0604020202020204" pitchFamily="34" charset="0"/>
             </a:endParaRPr>
@@ -3479,100 +3506,6 @@
         <p:txBody>
           <a:bodyPr/>
           <a:lstStyle/>
-          <a:p>
-            <a:pPr marL="0" marR="0" indent="0" algn="l" defTabSz="914400" rtl="0" eaLnBrk="0" fontAlgn="base" latinLnBrk="0" hangingPunct="0">
-              <a:lnSpc>
-                <a:spcPct val="100000"/>
-              </a:lnSpc>
-              <a:spcBef>
-                <a:spcPct val="30000"/>
-              </a:spcBef>
-              <a:spcAft>
-                <a:spcPct val="0"/>
-              </a:spcAft>
-              <a:buClrTx/>
-              <a:buSzTx/>
-              <a:buFontTx/>
-              <a:buNone/>
-              <a:tabLst/>
-              <a:defRPr/>
-            </a:pPr>
-            <a:r>
-              <a:rPr lang="zh-TW" altLang="en-US" dirty="0" smtClean="0"/>
-              <a:t>我目前開發的測試工具大部分都是解決</a:t>
-            </a:r>
-            <a:r>
-              <a:rPr lang="zh-TW" altLang="en-US" sz="1200" dirty="0" smtClean="0">
-                <a:latin typeface="Times New Roman" panose="02020603050405020304" pitchFamily="18" charset="0"/>
-                <a:cs typeface="Times New Roman" panose="02020603050405020304" pitchFamily="18" charset="0"/>
-              </a:rPr>
-              <a:t>人工沒有辦法執行這件事情，也就是長時間的測試，而且我們有些問題不見得看的到，所以我為了避免這件事情，就開發了這些程式。</a:t>
-            </a:r>
-            <a:endParaRPr lang="en-US" altLang="zh-TW" sz="1200" dirty="0" smtClean="0">
-              <a:latin typeface="Times New Roman" panose="02020603050405020304" pitchFamily="18" charset="0"/>
-              <a:cs typeface="Times New Roman" panose="02020603050405020304" pitchFamily="18" charset="0"/>
-            </a:endParaRPr>
-          </a:p>
-          <a:p>
-            <a:pPr marL="228600" marR="0" indent="-228600" algn="l" defTabSz="914400" rtl="0" eaLnBrk="0" fontAlgn="base" latinLnBrk="0" hangingPunct="0">
-              <a:lnSpc>
-                <a:spcPct val="100000"/>
-              </a:lnSpc>
-              <a:spcBef>
-                <a:spcPct val="30000"/>
-              </a:spcBef>
-              <a:spcAft>
-                <a:spcPct val="0"/>
-              </a:spcAft>
-              <a:buClrTx/>
-              <a:buSzTx/>
-              <a:buFontTx/>
-              <a:buAutoNum type="arabicPeriod"/>
-              <a:tabLst/>
-              <a:defRPr/>
-            </a:pPr>
-            <a:r>
-              <a:rPr lang="zh-TW" altLang="en-US" sz="1200" dirty="0" smtClean="0">
-                <a:latin typeface="Times New Roman" panose="02020603050405020304" pitchFamily="18" charset="0"/>
-                <a:cs typeface="Times New Roman" panose="02020603050405020304" pitchFamily="18" charset="0"/>
-              </a:rPr>
-              <a:t>避免客人的問題再次出現</a:t>
-            </a:r>
-            <a:endParaRPr lang="en-US" altLang="zh-TW" sz="1200" dirty="0" smtClean="0">
-              <a:latin typeface="Times New Roman" panose="02020603050405020304" pitchFamily="18" charset="0"/>
-              <a:cs typeface="Times New Roman" panose="02020603050405020304" pitchFamily="18" charset="0"/>
-            </a:endParaRPr>
-          </a:p>
-          <a:p>
-            <a:pPr marL="228600" marR="0" indent="-228600" algn="l" defTabSz="914400" rtl="0" eaLnBrk="0" fontAlgn="base" latinLnBrk="0" hangingPunct="0">
-              <a:lnSpc>
-                <a:spcPct val="100000"/>
-              </a:lnSpc>
-              <a:spcBef>
-                <a:spcPct val="30000"/>
-              </a:spcBef>
-              <a:spcAft>
-                <a:spcPct val="0"/>
-              </a:spcAft>
-              <a:buClrTx/>
-              <a:buSzTx/>
-              <a:buFontTx/>
-              <a:buAutoNum type="arabicPeriod"/>
-              <a:tabLst/>
-              <a:defRPr/>
-            </a:pPr>
-            <a:r>
-              <a:rPr lang="zh-TW" altLang="en-US" sz="1200" dirty="0" smtClean="0">
-                <a:latin typeface="Times New Roman" panose="02020603050405020304" pitchFamily="18" charset="0"/>
-                <a:cs typeface="Times New Roman" panose="02020603050405020304" pitchFamily="18" charset="0"/>
-              </a:rPr>
-              <a:t>可以解決人工沒辦法長時間反覆測試增加涵蓋率</a:t>
-            </a:r>
-            <a:endParaRPr lang="en-US" altLang="zh-TW" sz="1200" dirty="0" smtClean="0">
-              <a:latin typeface="Times New Roman" panose="02020603050405020304" pitchFamily="18" charset="0"/>
-              <a:cs typeface="Times New Roman" panose="02020603050405020304" pitchFamily="18" charset="0"/>
-            </a:endParaRPr>
-          </a:p>
           <a:p>
             <a:endParaRPr lang="en-US" altLang="zh-TW" dirty="0" smtClean="0"/>
           </a:p>
@@ -8374,7 +8307,7 @@
           <a:graphicData uri="http://schemas.openxmlformats.org/presentationml/2006/ole">
             <mc:AlternateContent xmlns:mc="http://schemas.openxmlformats.org/markup-compatibility/2006">
               <mc:Choice xmlns:v="urn:schemas-microsoft-com:vml" Requires="v">
-                <p:oleObj spid="_x0000_s5382" name="封裝程式殼層物件" showAsIcon="1" r:id="rId4" imgW="744480" imgH="394920" progId="Package">
+                <p:oleObj spid="_x0000_s5384" name="封裝程式殼層物件" showAsIcon="1" r:id="rId4" imgW="744480" imgH="394920" progId="Package">
                   <p:embed/>
                 </p:oleObj>
               </mc:Choice>
@@ -9026,17 +8959,7 @@
                 <a:latin typeface="Times New Roman" panose="02020603050405020304" pitchFamily="18" charset="0"/>
                 <a:cs typeface="Times New Roman" panose="02020603050405020304" pitchFamily="18" charset="0"/>
               </a:rPr>
-              <a:t>Automation(Android</a:t>
-            </a:r>
-            <a:r>
-              <a:rPr lang="en-US" altLang="zh-TW" sz="2800" kern="0" dirty="0" smtClean="0">
-                <a:solidFill>
-                  <a:srgbClr val="003366"/>
-                </a:solidFill>
-                <a:latin typeface="Times New Roman" panose="02020603050405020304" pitchFamily="18" charset="0"/>
-                <a:cs typeface="Times New Roman" panose="02020603050405020304" pitchFamily="18" charset="0"/>
-              </a:rPr>
-              <a:t>, RJ45)</a:t>
+              <a:t>Automation(Android, RJ45)</a:t>
             </a:r>
             <a:endParaRPr lang="zh-TW" altLang="en-US" sz="2800" kern="0" dirty="0">
               <a:solidFill>
@@ -11823,14 +11746,7 @@
                 <a:latin typeface="Times New Roman" panose="02020603050405020304" pitchFamily="18" charset="0"/>
                 <a:cs typeface="Times New Roman" panose="02020603050405020304" pitchFamily="18" charset="0"/>
               </a:rPr>
-              <a:t>pre-condition </a:t>
-            </a:r>
-            <a:r>
-              <a:rPr lang="en-US" altLang="zh-TW" sz="2000" dirty="0" smtClean="0">
-                <a:latin typeface="Times New Roman" panose="02020603050405020304" pitchFamily="18" charset="0"/>
-                <a:cs typeface="Times New Roman" panose="02020603050405020304" pitchFamily="18" charset="0"/>
-              </a:rPr>
-              <a:t>base on the product specification.</a:t>
+              <a:t>pre-condition base on the product specification.</a:t>
             </a:r>
           </a:p>
         </p:txBody>

--- a/kpi/Automation Testing_20200303_1.pptx
+++ b/kpi/Automation Testing_20200303_1.pptx
@@ -168,7 +168,7 @@
   </p:defaultTextStyle>
   <p:extLst>
     <p:ext uri="{EFAFB233-063F-42B5-8137-9DF3F51BA10A}">
-      <p15:sldGuideLst xmlns:p15="http://schemas.microsoft.com/office/powerpoint/2012/main" xmlns="">
+      <p15:sldGuideLst xmlns="" xmlns:p15="http://schemas.microsoft.com/office/powerpoint/2012/main">
         <p15:guide id="1" orient="horz" pos="1620">
           <p15:clr>
             <a:srgbClr val="A4A3A4"/>
@@ -182,7 +182,7 @@
       </p15:sldGuideLst>
     </p:ext>
     <p:ext uri="{2D200454-40CA-4A62-9FC3-DE9A4176ACB9}">
-      <p15:notesGuideLst xmlns:p15="http://schemas.microsoft.com/office/powerpoint/2012/main" xmlns="">
+      <p15:notesGuideLst xmlns="" xmlns:p15="http://schemas.microsoft.com/office/powerpoint/2012/main">
         <p15:guide id="1" orient="horz" pos="3223">
           <p15:clr>
             <a:srgbClr val="A4A3A4"/>
@@ -8307,7 +8307,7 @@
           <a:graphicData uri="http://schemas.openxmlformats.org/presentationml/2006/ole">
             <mc:AlternateContent xmlns:mc="http://schemas.openxmlformats.org/markup-compatibility/2006">
               <mc:Choice xmlns:v="urn:schemas-microsoft-com:vml" Requires="v">
-                <p:oleObj spid="_x0000_s5384" name="封裝程式殼層物件" showAsIcon="1" r:id="rId4" imgW="744480" imgH="394920" progId="Package">
+                <p:oleObj spid="_x0000_s5385" name="封裝程式殼層物件" showAsIcon="1" r:id="rId4" imgW="744480" imgH="394920" progId="Package">
                   <p:embed/>
                 </p:oleObj>
               </mc:Choice>

--- a/kpi/Automation Testing_20200303_1.pptx
+++ b/kpi/Automation Testing_20200303_1.pptx
@@ -168,7 +168,7 @@
   </p:defaultTextStyle>
   <p:extLst>
     <p:ext uri="{EFAFB233-063F-42B5-8137-9DF3F51BA10A}">
-      <p15:sldGuideLst xmlns="" xmlns:p15="http://schemas.microsoft.com/office/powerpoint/2012/main">
+      <p15:sldGuideLst xmlns:p15="http://schemas.microsoft.com/office/powerpoint/2012/main" xmlns="">
         <p15:guide id="1" orient="horz" pos="1620">
           <p15:clr>
             <a:srgbClr val="A4A3A4"/>
@@ -182,7 +182,7 @@
       </p15:sldGuideLst>
     </p:ext>
     <p:ext uri="{2D200454-40CA-4A62-9FC3-DE9A4176ACB9}">
-      <p15:notesGuideLst xmlns="" xmlns:p15="http://schemas.microsoft.com/office/powerpoint/2012/main">
+      <p15:notesGuideLst xmlns:p15="http://schemas.microsoft.com/office/powerpoint/2012/main" xmlns="">
         <p15:guide id="1" orient="horz" pos="3223">
           <p15:clr>
             <a:srgbClr val="A4A3A4"/>
@@ -8307,7 +8307,7 @@
           <a:graphicData uri="http://schemas.openxmlformats.org/presentationml/2006/ole">
             <mc:AlternateContent xmlns:mc="http://schemas.openxmlformats.org/markup-compatibility/2006">
               <mc:Choice xmlns:v="urn:schemas-microsoft-com:vml" Requires="v">
-                <p:oleObj spid="_x0000_s5385" name="封裝程式殼層物件" showAsIcon="1" r:id="rId4" imgW="744480" imgH="394920" progId="Package">
+                <p:oleObj spid="_x0000_s5391" name="封裝程式殼層物件" showAsIcon="1" r:id="rId4" imgW="744480" imgH="394920" progId="Package">
                   <p:embed/>
                 </p:oleObj>
               </mc:Choice>
@@ -9098,32 +9098,25 @@
               <a:t>Airplane </a:t>
             </a:r>
             <a:r>
-              <a:rPr lang="en-US" altLang="zh-TW" sz="1800" dirty="0">
-                <a:latin typeface="Times New Roman" panose="02020603050405020304" pitchFamily="18" charset="0"/>
-                <a:cs typeface="Times New Roman" panose="02020603050405020304" pitchFamily="18" charset="0"/>
-              </a:rPr>
-              <a:t>ON</a:t>
-            </a:r>
-            <a:r>
-              <a:rPr lang="zh-TW" altLang="en-US" sz="1800" dirty="0">
+              <a:rPr lang="en-US" altLang="zh-TW" sz="1800" dirty="0" smtClean="0">
+                <a:latin typeface="Times New Roman" panose="02020603050405020304" pitchFamily="18" charset="0"/>
+                <a:cs typeface="Times New Roman" panose="02020603050405020304" pitchFamily="18" charset="0"/>
+              </a:rPr>
+              <a:t>OFF</a:t>
+            </a:r>
+            <a:r>
+              <a:rPr lang="zh-TW" altLang="en-US" sz="1800" dirty="0" smtClean="0">
                 <a:latin typeface="Times New Roman" panose="02020603050405020304" pitchFamily="18" charset="0"/>
                 <a:cs typeface="Times New Roman" panose="02020603050405020304" pitchFamily="18" charset="0"/>
               </a:rPr>
               <a:t> </a:t>
             </a:r>
             <a:r>
-              <a:rPr lang="en-US" altLang="zh-TW" sz="1800" dirty="0">
-                <a:latin typeface="Times New Roman" panose="02020603050405020304" pitchFamily="18" charset="0"/>
-                <a:cs typeface="Times New Roman" panose="02020603050405020304" pitchFamily="18" charset="0"/>
-              </a:rPr>
-              <a:t>(Wi-Fi OFF</a:t>
-            </a:r>
-            <a:r>
               <a:rPr lang="en-US" altLang="zh-TW" sz="1800" dirty="0" smtClean="0">
                 <a:latin typeface="Times New Roman" panose="02020603050405020304" pitchFamily="18" charset="0"/>
                 <a:cs typeface="Times New Roman" panose="02020603050405020304" pitchFamily="18" charset="0"/>
               </a:rPr>
-              <a:t>)</a:t>
+              <a:t>(Wi-Fi ON)</a:t>
             </a:r>
             <a:endParaRPr lang="en-US" altLang="zh-TW" sz="1800" dirty="0">
               <a:latin typeface="Times New Roman" panose="02020603050405020304" pitchFamily="18" charset="0"/>
@@ -9735,32 +9728,32 @@
               <a:t>Airplane </a:t>
             </a:r>
             <a:r>
-              <a:rPr lang="en-US" altLang="zh-TW" sz="1800" dirty="0">
-                <a:latin typeface="Times New Roman" panose="02020603050405020304" pitchFamily="18" charset="0"/>
-                <a:cs typeface="Times New Roman" panose="02020603050405020304" pitchFamily="18" charset="0"/>
-              </a:rPr>
-              <a:t>ON</a:t>
-            </a:r>
-            <a:r>
-              <a:rPr lang="zh-TW" altLang="en-US" sz="1800" dirty="0">
+              <a:rPr lang="en-US" altLang="zh-TW" sz="1800" dirty="0" smtClean="0">
+                <a:latin typeface="Times New Roman" panose="02020603050405020304" pitchFamily="18" charset="0"/>
+                <a:cs typeface="Times New Roman" panose="02020603050405020304" pitchFamily="18" charset="0"/>
+              </a:rPr>
+              <a:t>OFF</a:t>
+            </a:r>
+            <a:r>
+              <a:rPr lang="zh-TW" altLang="en-US" sz="1800" dirty="0" smtClean="0">
                 <a:latin typeface="Times New Roman" panose="02020603050405020304" pitchFamily="18" charset="0"/>
                 <a:cs typeface="Times New Roman" panose="02020603050405020304" pitchFamily="18" charset="0"/>
               </a:rPr>
               <a:t> </a:t>
             </a:r>
             <a:r>
-              <a:rPr lang="en-US" altLang="zh-TW" sz="1800" dirty="0">
-                <a:latin typeface="Times New Roman" panose="02020603050405020304" pitchFamily="18" charset="0"/>
-                <a:cs typeface="Times New Roman" panose="02020603050405020304" pitchFamily="18" charset="0"/>
-              </a:rPr>
-              <a:t>(Wi-Fi </a:t>
-            </a:r>
-            <a:r>
               <a:rPr lang="en-US" altLang="zh-TW" sz="1800" dirty="0" smtClean="0">
                 <a:latin typeface="Times New Roman" panose="02020603050405020304" pitchFamily="18" charset="0"/>
                 <a:cs typeface="Times New Roman" panose="02020603050405020304" pitchFamily="18" charset="0"/>
               </a:rPr>
-              <a:t>OFF)		  </a:t>
+              <a:t>(Wi-Fi ON)</a:t>
+            </a:r>
+            <a:r>
+              <a:rPr lang="en-US" altLang="zh-TW" sz="1800" dirty="0" smtClean="0">
+                <a:latin typeface="Times New Roman" panose="02020603050405020304" pitchFamily="18" charset="0"/>
+                <a:cs typeface="Times New Roman" panose="02020603050405020304" pitchFamily="18" charset="0"/>
+              </a:rPr>
+              <a:t>		  </a:t>
             </a:r>
           </a:p>
           <a:p>
@@ -10624,7 +10617,14 @@
                 <a:latin typeface="Times New Roman" panose="02020603050405020304" pitchFamily="18" charset="0"/>
                 <a:cs typeface="Times New Roman" panose="02020603050405020304" pitchFamily="18" charset="0"/>
               </a:rPr>
-              <a:t>Airplane ON</a:t>
+              <a:t>Airplane </a:t>
+            </a:r>
+            <a:r>
+              <a:rPr lang="en-US" altLang="zh-TW" sz="1800" dirty="0" smtClean="0">
+                <a:latin typeface="Times New Roman" panose="02020603050405020304" pitchFamily="18" charset="0"/>
+                <a:cs typeface="Times New Roman" panose="02020603050405020304" pitchFamily="18" charset="0"/>
+              </a:rPr>
+              <a:t>OFF</a:t>
             </a:r>
             <a:r>
               <a:rPr lang="zh-TW" altLang="en-US" sz="1800" dirty="0" smtClean="0">
@@ -10634,19 +10634,16 @@
               <a:t> </a:t>
             </a:r>
             <a:r>
-              <a:rPr lang="en-US" altLang="zh-TW" sz="1800" dirty="0">
-                <a:latin typeface="Times New Roman" panose="02020603050405020304" pitchFamily="18" charset="0"/>
-                <a:cs typeface="Times New Roman" panose="02020603050405020304" pitchFamily="18" charset="0"/>
-              </a:rPr>
-              <a:t>(Wi-Fi </a:t>
-            </a:r>
-            <a:r>
               <a:rPr lang="en-US" altLang="zh-TW" sz="1800" dirty="0" smtClean="0">
                 <a:latin typeface="Times New Roman" panose="02020603050405020304" pitchFamily="18" charset="0"/>
                 <a:cs typeface="Times New Roman" panose="02020603050405020304" pitchFamily="18" charset="0"/>
               </a:rPr>
-              <a:t>OFF)</a:t>
-            </a:r>
+              <a:t>(Wi-Fi ON)</a:t>
+            </a:r>
+            <a:endParaRPr lang="en-US" altLang="zh-TW" sz="1800" dirty="0" smtClean="0">
+              <a:latin typeface="Times New Roman" panose="02020603050405020304" pitchFamily="18" charset="0"/>
+              <a:cs typeface="Times New Roman" panose="02020603050405020304" pitchFamily="18" charset="0"/>
+            </a:endParaRPr>
           </a:p>
           <a:p>
             <a:pPr marL="342900" lvl="1" indent="-342900" eaLnBrk="1" hangingPunct="1">
